--- a/Week1/Challenge/Minichallenge_1.pptx
+++ b/Week1/Challenge/Minichallenge_1.pptx
@@ -360,7 +360,7 @@
           <a:p>
             <a:fld id="{28E8D346-A915-4882-A510-80C55F2B0290}" type="datetimeFigureOut">
               <a:rPr lang="en-GB" smtClean="0"/>
-              <a:t>03/04/2024</a:t>
+              <a:t>07/02/2025</a:t>
             </a:fld>
             <a:endParaRPr lang="en-GB"/>
           </a:p>
@@ -3373,7 +3373,7 @@
           <a:p>
             <a:fld id="{28E8D346-A915-4882-A510-80C55F2B0290}" type="datetimeFigureOut">
               <a:rPr lang="en-GB" smtClean="0"/>
-              <a:t>03/04/2024</a:t>
+              <a:t>07/02/2025</a:t>
             </a:fld>
             <a:endParaRPr lang="en-GB"/>
           </a:p>
@@ -3854,7 +3854,7 @@
           <a:p>
             <a:fld id="{28E8D346-A915-4882-A510-80C55F2B0290}" type="datetimeFigureOut">
               <a:rPr lang="en-GB" smtClean="0"/>
-              <a:t>03/04/2024</a:t>
+              <a:t>07/02/2025</a:t>
             </a:fld>
             <a:endParaRPr lang="en-GB"/>
           </a:p>
@@ -4177,7 +4177,7 @@
           <a:p>
             <a:fld id="{28E8D346-A915-4882-A510-80C55F2B0290}" type="datetimeFigureOut">
               <a:rPr lang="en-GB" smtClean="0"/>
-              <a:t>03/04/2024</a:t>
+              <a:t>07/02/2025</a:t>
             </a:fld>
             <a:endParaRPr lang="en-GB"/>
           </a:p>
@@ -4670,7 +4670,7 @@
           <a:p>
             <a:fld id="{28E8D346-A915-4882-A510-80C55F2B0290}" type="datetimeFigureOut">
               <a:rPr lang="en-GB" smtClean="0"/>
-              <a:t>03/04/2024</a:t>
+              <a:t>07/02/2025</a:t>
             </a:fld>
             <a:endParaRPr lang="en-GB"/>
           </a:p>
@@ -5192,7 +5192,7 @@
           <a:p>
             <a:fld id="{28E8D346-A915-4882-A510-80C55F2B0290}" type="datetimeFigureOut">
               <a:rPr lang="en-GB" smtClean="0"/>
-              <a:t>03/04/2024</a:t>
+              <a:t>07/02/2025</a:t>
             </a:fld>
             <a:endParaRPr lang="en-GB"/>
           </a:p>
@@ -5687,7 +5687,7 @@
           <a:p>
             <a:fld id="{28E8D346-A915-4882-A510-80C55F2B0290}" type="datetimeFigureOut">
               <a:rPr lang="en-GB" smtClean="0"/>
-              <a:t>03/04/2024</a:t>
+              <a:t>07/02/2025</a:t>
             </a:fld>
             <a:endParaRPr lang="en-GB"/>
           </a:p>
@@ -6294,7 +6294,7 @@
           <a:p>
             <a:fld id="{28E8D346-A915-4882-A510-80C55F2B0290}" type="datetimeFigureOut">
               <a:rPr lang="en-GB" smtClean="0"/>
-              <a:t>03/04/2024</a:t>
+              <a:t>07/02/2025</a:t>
             </a:fld>
             <a:endParaRPr lang="en-GB"/>
           </a:p>
@@ -6789,7 +6789,7 @@
           <a:p>
             <a:fld id="{28E8D346-A915-4882-A510-80C55F2B0290}" type="datetimeFigureOut">
               <a:rPr lang="en-GB" smtClean="0"/>
-              <a:t>03/04/2024</a:t>
+              <a:t>07/02/2025</a:t>
             </a:fld>
             <a:endParaRPr lang="en-GB"/>
           </a:p>
@@ -7552,7 +7552,7 @@
           <a:p>
             <a:fld id="{28E8D346-A915-4882-A510-80C55F2B0290}" type="datetimeFigureOut">
               <a:rPr lang="en-GB" smtClean="0"/>
-              <a:t>03/04/2024</a:t>
+              <a:t>07/02/2025</a:t>
             </a:fld>
             <a:endParaRPr lang="en-GB"/>
           </a:p>
@@ -8203,7 +8203,7 @@
           <a:p>
             <a:fld id="{28E8D346-A915-4882-A510-80C55F2B0290}" type="datetimeFigureOut">
               <a:rPr lang="en-GB" smtClean="0"/>
-              <a:t>03/04/2024</a:t>
+              <a:t>07/02/2025</a:t>
             </a:fld>
             <a:endParaRPr lang="en-GB"/>
           </a:p>
@@ -8582,7 +8582,7 @@
           <a:p>
             <a:fld id="{28E8D346-A915-4882-A510-80C55F2B0290}" type="datetimeFigureOut">
               <a:rPr lang="en-GB" smtClean="0"/>
-              <a:t>03/04/2024</a:t>
+              <a:t>07/02/2025</a:t>
             </a:fld>
             <a:endParaRPr lang="en-GB"/>
           </a:p>
@@ -8849,7 +8849,7 @@
           <a:p>
             <a:fld id="{28E8D346-A915-4882-A510-80C55F2B0290}" type="datetimeFigureOut">
               <a:rPr lang="en-GB" smtClean="0"/>
-              <a:t>03/04/2024</a:t>
+              <a:t>07/02/2025</a:t>
             </a:fld>
             <a:endParaRPr lang="en-GB"/>
           </a:p>
@@ -9422,7 +9422,7 @@
           <a:p>
             <a:fld id="{28E8D346-A915-4882-A510-80C55F2B0290}" type="datetimeFigureOut">
               <a:rPr lang="en-GB" smtClean="0"/>
-              <a:t>03/04/2024</a:t>
+              <a:t>07/02/2025</a:t>
             </a:fld>
             <a:endParaRPr lang="en-GB"/>
           </a:p>
@@ -9666,7 +9666,7 @@
           <a:p>
             <a:fld id="{28E8D346-A915-4882-A510-80C55F2B0290}" type="datetimeFigureOut">
               <a:rPr lang="en-GB" smtClean="0"/>
-              <a:t>03/04/2024</a:t>
+              <a:t>07/02/2025</a:t>
             </a:fld>
             <a:endParaRPr lang="en-GB"/>
           </a:p>
@@ -9852,7 +9852,7 @@
           <a:p>
             <a:fld id="{28E8D346-A915-4882-A510-80C55F2B0290}" type="datetimeFigureOut">
               <a:rPr lang="en-GB" smtClean="0"/>
-              <a:t>03/04/2024</a:t>
+              <a:t>07/02/2025</a:t>
             </a:fld>
             <a:endParaRPr lang="en-GB"/>
           </a:p>
@@ -10150,7 +10150,7 @@
           <a:p>
             <a:fld id="{28E8D346-A915-4882-A510-80C55F2B0290}" type="datetimeFigureOut">
               <a:rPr lang="en-GB" smtClean="0"/>
-              <a:t>03/04/2024</a:t>
+              <a:t>07/02/2025</a:t>
             </a:fld>
             <a:endParaRPr lang="en-GB"/>
           </a:p>
@@ -10585,7 +10585,7 @@
           <a:p>
             <a:fld id="{28E8D346-A915-4882-A510-80C55F2B0290}" type="datetimeFigureOut">
               <a:rPr lang="en-GB" smtClean="0"/>
-              <a:t>03/04/2024</a:t>
+              <a:t>07/02/2025</a:t>
             </a:fld>
             <a:endParaRPr lang="en-GB"/>
           </a:p>
@@ -11058,7 +11058,7 @@
           <a:p>
             <a:fld id="{28E8D346-A915-4882-A510-80C55F2B0290}" type="datetimeFigureOut">
               <a:rPr lang="en-GB" smtClean="0"/>
-              <a:t>03/04/2024</a:t>
+              <a:t>07/02/2025</a:t>
             </a:fld>
             <a:endParaRPr lang="en-GB"/>
           </a:p>
@@ -11514,7 +11514,7 @@
           <a:p>
             <a:fld id="{28E8D346-A915-4882-A510-80C55F2B0290}" type="datetimeFigureOut">
               <a:rPr lang="en-GB" smtClean="0"/>
-              <a:t>03/04/2024</a:t>
+              <a:t>07/02/2025</a:t>
             </a:fld>
             <a:endParaRPr lang="en-GB"/>
           </a:p>
@@ -11738,7 +11738,7 @@
           <a:p>
             <a:fld id="{28E8D346-A915-4882-A510-80C55F2B0290}" type="datetimeFigureOut">
               <a:rPr lang="en-GB" smtClean="0"/>
-              <a:t>03/04/2024</a:t>
+              <a:t>07/02/2025</a:t>
             </a:fld>
             <a:endParaRPr lang="en-GB"/>
           </a:p>
@@ -11964,7 +11964,7 @@
           <a:p>
             <a:fld id="{28E8D346-A915-4882-A510-80C55F2B0290}" type="datetimeFigureOut">
               <a:rPr lang="en-GB" smtClean="0"/>
-              <a:t>03/04/2024</a:t>
+              <a:t>07/02/2025</a:t>
             </a:fld>
             <a:endParaRPr lang="en-GB"/>
           </a:p>
@@ -12190,7 +12190,7 @@
           <a:p>
             <a:fld id="{28E8D346-A915-4882-A510-80C55F2B0290}" type="datetimeFigureOut">
               <a:rPr lang="en-GB" smtClean="0"/>
-              <a:t>03/04/2024</a:t>
+              <a:t>07/02/2025</a:t>
             </a:fld>
             <a:endParaRPr lang="en-GB"/>
           </a:p>
@@ -12338,7 +12338,7 @@
           <a:p>
             <a:fld id="{28E8D346-A915-4882-A510-80C55F2B0290}" type="datetimeFigureOut">
               <a:rPr lang="en-GB" smtClean="0"/>
-              <a:t>03/04/2024</a:t>
+              <a:t>07/02/2025</a:t>
             </a:fld>
             <a:endParaRPr lang="en-GB"/>
           </a:p>
@@ -12732,7 +12732,7 @@
           <a:p>
             <a:fld id="{28E8D346-A915-4882-A510-80C55F2B0290}" type="datetimeFigureOut">
               <a:rPr lang="en-GB" smtClean="0"/>
-              <a:t>03/04/2024</a:t>
+              <a:t>07/02/2025</a:t>
             </a:fld>
             <a:endParaRPr lang="en-GB"/>
           </a:p>
@@ -13289,7 +13289,7 @@
           <a:p>
             <a:fld id="{28E8D346-A915-4882-A510-80C55F2B0290}" type="datetimeFigureOut">
               <a:rPr lang="en-GB" smtClean="0"/>
-              <a:t>03/04/2024</a:t>
+              <a:t>07/02/2025</a:t>
             </a:fld>
             <a:endParaRPr lang="en-GB"/>
           </a:p>
@@ -13795,7 +13795,7 @@
           <a:p>
             <a:fld id="{28E8D346-A915-4882-A510-80C55F2B0290}" type="datetimeFigureOut">
               <a:rPr lang="en-GB" smtClean="0"/>
-              <a:t>03/04/2024</a:t>
+              <a:t>07/02/2025</a:t>
             </a:fld>
             <a:endParaRPr lang="en-GB"/>
           </a:p>
@@ -14193,7 +14193,7 @@
           <a:p>
             <a:fld id="{28E8D346-A915-4882-A510-80C55F2B0290}" type="datetimeFigureOut">
               <a:rPr lang="en-GB" smtClean="0"/>
-              <a:t>03/04/2024</a:t>
+              <a:t>07/02/2025</a:t>
             </a:fld>
             <a:endParaRPr lang="en-GB"/>
           </a:p>
@@ -15059,7 +15059,7 @@
           <a:p>
             <a:fld id="{9D27316D-C409-4712-90E5-1C58F0743890}" type="datetimeFigureOut">
               <a:rPr lang="en-GB" smtClean="0"/>
-              <a:t>03/04/2024</a:t>
+              <a:t>07/02/2025</a:t>
             </a:fld>
             <a:endParaRPr lang="en-GB"/>
           </a:p>
@@ -16798,220 +16798,137 @@
           <a:chExt cx="0" cy="0"/>
         </a:xfrm>
       </p:grpSpPr>
-      <mc:AlternateContent xmlns:mc="http://schemas.openxmlformats.org/markup-compatibility/2006" xmlns:a14="http://schemas.microsoft.com/office/drawing/2010/main">
-        <mc:Choice Requires="a14">
-          <p:sp>
-            <p:nvSpPr>
-              <p:cNvPr id="2" name="Content Placeholder 1">
-                <a:extLst>
-                  <a:ext uri="{FF2B5EF4-FFF2-40B4-BE49-F238E27FC236}">
-                    <a16:creationId xmlns:a16="http://schemas.microsoft.com/office/drawing/2014/main" id="{FECA37EA-7318-4494-0864-0FE96D1996A8}"/>
-                  </a:ext>
-                </a:extLst>
-              </p:cNvPr>
-              <p:cNvSpPr>
-                <a:spLocks noGrp="1"/>
-              </p:cNvSpPr>
-              <p:nvPr>
-                <p:ph sz="half" idx="1"/>
-              </p:nvPr>
-            </p:nvSpPr>
-            <p:spPr/>
-            <p:txBody>
-              <a:bodyPr>
-                <a:normAutofit/>
-              </a:bodyPr>
-              <a:lstStyle/>
-              <a:p>
-                <a:pPr marL="0" indent="0" algn="just">
-                  <a:lnSpc>
-                    <a:spcPct val="150000"/>
-                  </a:lnSpc>
-                  <a:buNone/>
-                </a:pPr>
-                <a:r>
-                  <a:rPr lang="en-GB" sz="2000" dirty="0">
-                    <a:latin typeface="Nexa-Bold" panose="01000000000000000000" pitchFamily="2" charset="0"/>
-                  </a:rPr>
-                  <a:t>Controller Node</a:t>
-                </a:r>
-              </a:p>
-              <a:p>
-                <a:pPr marL="457200" indent="-457200">
-                  <a:lnSpc>
-                    <a:spcPct val="150000"/>
-                  </a:lnSpc>
-                  <a:buFont typeface="+mj-lt"/>
-                  <a:buAutoNum type="arabicPeriod"/>
-                </a:pPr>
-                <a:r>
-                  <a:rPr lang="en-GB" sz="1400" dirty="0"/>
-                  <a:t>Make a “/controller” node to generate a control input to the “/</a:t>
-                </a:r>
-                <a:r>
-                  <a:rPr lang="en-GB" sz="1400" dirty="0" err="1"/>
-                  <a:t>motor_sim</a:t>
-                </a:r>
-                <a:r>
-                  <a:rPr lang="en-GB" sz="1400" dirty="0"/>
-                  <a:t>” node.</a:t>
-                </a:r>
-              </a:p>
-              <a:p>
-                <a:pPr marL="457200" indent="-457200">
-                  <a:lnSpc>
-                    <a:spcPct val="150000"/>
-                  </a:lnSpc>
-                  <a:buFont typeface="+mj-lt"/>
-                  <a:buAutoNum type="arabicPeriod"/>
-                </a:pPr>
-                <a:r>
-                  <a:rPr lang="en-GB" sz="1400" dirty="0"/>
-                  <a:t>The node must publish in the “/</a:t>
-                </a:r>
-                <a:r>
-                  <a:rPr lang="en-GB" sz="1400" dirty="0" err="1"/>
-                  <a:t>motor_input</a:t>
-                </a:r>
-                <a:r>
-                  <a:rPr lang="en-GB" sz="1400" dirty="0"/>
-                  <a:t>” topic and subscribe to the “/</a:t>
-                </a:r>
-                <a:r>
-                  <a:rPr lang="en-GB" sz="1400" dirty="0" err="1"/>
-                  <a:t>motor_output</a:t>
-                </a:r>
-                <a:r>
-                  <a:rPr lang="en-GB" sz="1400" dirty="0"/>
-                  <a:t>” and “/</a:t>
-                </a:r>
-                <a:r>
-                  <a:rPr lang="en-GB" sz="1400" dirty="0" err="1"/>
-                  <a:t>set_point</a:t>
-                </a:r>
-                <a:r>
-                  <a:rPr lang="en-GB" sz="1400" dirty="0"/>
-                  <a:t>” topics.</a:t>
-                </a:r>
-              </a:p>
-              <a:p>
-                <a:pPr marL="457200" indent="-457200">
-                  <a:lnSpc>
-                    <a:spcPct val="150000"/>
-                  </a:lnSpc>
-                  <a:buFont typeface="+mj-lt"/>
-                  <a:buAutoNum type="arabicPeriod"/>
-                </a:pPr>
-                <a:r>
-                  <a:rPr lang="en-GB" sz="1400" dirty="0"/>
-                  <a:t>The output of the controller “/</a:t>
-                </a:r>
-                <a:r>
-                  <a:rPr lang="en-GB" sz="1400" dirty="0" err="1"/>
-                  <a:t>motor_input</a:t>
-                </a:r>
-                <a:r>
-                  <a:rPr lang="en-GB" sz="1400" dirty="0"/>
-                  <a:t>” must be bounded between in the interval -1 to 1 i.e., </a:t>
-                </a:r>
-                <a14:m>
-                  <m:oMath xmlns:m="http://schemas.openxmlformats.org/officeDocument/2006/math">
-                    <m:r>
-                      <a:rPr lang="en-US" sz="1400" b="0" i="1" smtClean="0">
-                        <a:latin typeface="Cambria Math" panose="02040503050406030204" pitchFamily="18" charset="0"/>
-                      </a:rPr>
-                      <m:t>𝑢</m:t>
-                    </m:r>
-                    <m:r>
-                      <a:rPr lang="en-US" sz="1400" b="0" i="1" smtClean="0">
-                        <a:latin typeface="Cambria Math" panose="02040503050406030204" pitchFamily="18" charset="0"/>
-                      </a:rPr>
-                      <m:t>(</m:t>
-                    </m:r>
-                    <m:r>
-                      <a:rPr lang="en-US" sz="1400" b="0" i="1" smtClean="0">
-                        <a:latin typeface="Cambria Math" panose="02040503050406030204" pitchFamily="18" charset="0"/>
-                      </a:rPr>
-                      <m:t>𝑘</m:t>
-                    </m:r>
-                    <m:r>
-                      <a:rPr lang="en-US" sz="1400" b="0" i="1" smtClean="0">
-                        <a:latin typeface="Cambria Math" panose="02040503050406030204" pitchFamily="18" charset="0"/>
-                      </a:rPr>
-                      <m:t>)∈[−1,1]</m:t>
-                    </m:r>
-                  </m:oMath>
-                </a14:m>
-                <a:r>
-                  <a:rPr lang="en-GB" sz="1400" dirty="0"/>
-                  <a:t>.</a:t>
-                </a:r>
-              </a:p>
-              <a:p>
-                <a:pPr marL="457200" indent="-457200">
-                  <a:lnSpc>
-                    <a:spcPct val="150000"/>
-                  </a:lnSpc>
-                  <a:buFont typeface="+mj-lt"/>
-                  <a:buAutoNum type="arabicPeriod"/>
-                </a:pPr>
-                <a:r>
-                  <a:rPr lang="en-GB" sz="1400" dirty="0"/>
-                  <a:t>The message for the “/</a:t>
-                </a:r>
-                <a:r>
-                  <a:rPr lang="en-GB" sz="1400" dirty="0" err="1"/>
-                  <a:t>set_point</a:t>
-                </a:r>
-                <a:r>
-                  <a:rPr lang="en-GB" sz="1400" dirty="0"/>
-                  <a:t>” topic must be a “std_msgs/Float32” message.</a:t>
-                </a:r>
-                <a:endParaRPr lang="en-GB" sz="1400" u="sng" dirty="0"/>
-              </a:p>
-            </p:txBody>
-          </p:sp>
-        </mc:Choice>
-        <mc:Fallback xmlns="">
-          <p:sp>
-            <p:nvSpPr>
-              <p:cNvPr id="2" name="Content Placeholder 1">
-                <a:extLst>
-                  <a:ext uri="{FF2B5EF4-FFF2-40B4-BE49-F238E27FC236}">
-                    <a16:creationId xmlns:a16="http://schemas.microsoft.com/office/drawing/2014/main" id="{FECA37EA-7318-4494-0864-0FE96D1996A8}"/>
-                  </a:ext>
-                </a:extLst>
-              </p:cNvPr>
-              <p:cNvSpPr>
-                <a:spLocks noGrp="1" noRot="1" noChangeAspect="1" noMove="1" noResize="1" noEditPoints="1" noAdjustHandles="1" noChangeArrowheads="1" noChangeShapeType="1" noTextEdit="1"/>
-              </p:cNvSpPr>
-              <p:nvPr>
-                <p:ph sz="half" idx="1"/>
-              </p:nvPr>
-            </p:nvSpPr>
-            <p:spPr>
-              <a:blipFill>
-                <a:blip r:embed="rId2"/>
-                <a:stretch>
-                  <a:fillRect l="-1294" r="-588"/>
-                </a:stretch>
-              </a:blipFill>
-            </p:spPr>
-            <p:txBody>
-              <a:bodyPr/>
-              <a:lstStyle/>
-              <a:p>
-                <a:r>
-                  <a:rPr lang="en-GB">
-                    <a:noFill/>
-                  </a:rPr>
-                  <a:t> </a:t>
-                </a:r>
-              </a:p>
-            </p:txBody>
-          </p:sp>
-        </mc:Fallback>
-      </mc:AlternateContent>
+      <p:sp>
+        <p:nvSpPr>
+          <p:cNvPr id="2" name="Content Placeholder 1">
+            <a:extLst>
+              <a:ext uri="{FF2B5EF4-FFF2-40B4-BE49-F238E27FC236}">
+                <a16:creationId xmlns:a16="http://schemas.microsoft.com/office/drawing/2014/main" id="{FECA37EA-7318-4494-0864-0FE96D1996A8}"/>
+              </a:ext>
+            </a:extLst>
+          </p:cNvPr>
+          <p:cNvSpPr>
+            <a:spLocks noGrp="1"/>
+          </p:cNvSpPr>
+          <p:nvPr>
+            <p:ph sz="half" idx="1"/>
+          </p:nvPr>
+        </p:nvSpPr>
+        <p:spPr/>
+        <p:txBody>
+          <a:bodyPr>
+            <a:normAutofit/>
+          </a:bodyPr>
+          <a:lstStyle/>
+          <a:p>
+            <a:pPr marL="0" indent="0" algn="just">
+              <a:lnSpc>
+                <a:spcPct val="150000"/>
+              </a:lnSpc>
+              <a:buNone/>
+            </a:pPr>
+            <a:r>
+              <a:rPr lang="en-GB" sz="2000" dirty="0">
+                <a:latin typeface="Nexa-Bold" panose="01000000000000000000" pitchFamily="2" charset="0"/>
+              </a:rPr>
+              <a:t>Controller Node</a:t>
+            </a:r>
+          </a:p>
+          <a:p>
+            <a:pPr marL="457200" indent="-457200">
+              <a:lnSpc>
+                <a:spcPct val="150000"/>
+              </a:lnSpc>
+              <a:buFont typeface="+mj-lt"/>
+              <a:buAutoNum type="arabicPeriod"/>
+            </a:pPr>
+            <a:r>
+              <a:rPr lang="en-GB" sz="1400" dirty="0"/>
+              <a:t>Make a “/controller” node to generate a control input to the “/</a:t>
+            </a:r>
+            <a:r>
+              <a:rPr lang="en-GB" sz="1400" dirty="0" err="1"/>
+              <a:t>motor_sim</a:t>
+            </a:r>
+            <a:r>
+              <a:rPr lang="en-GB" sz="1400" dirty="0"/>
+              <a:t>” node.</a:t>
+            </a:r>
+          </a:p>
+          <a:p>
+            <a:pPr marL="457200" indent="-457200">
+              <a:lnSpc>
+                <a:spcPct val="150000"/>
+              </a:lnSpc>
+              <a:buFont typeface="+mj-lt"/>
+              <a:buAutoNum type="arabicPeriod"/>
+            </a:pPr>
+            <a:r>
+              <a:rPr lang="en-GB" sz="1400" dirty="0"/>
+              <a:t>The node must publish in the “/</a:t>
+            </a:r>
+            <a:r>
+              <a:rPr lang="en-GB" sz="1400" dirty="0" err="1"/>
+              <a:t>motor_input</a:t>
+            </a:r>
+            <a:r>
+              <a:rPr lang="en-GB" sz="1400" dirty="0"/>
+              <a:t>” topic and subscribe to the “/</a:t>
+            </a:r>
+            <a:r>
+              <a:rPr lang="en-GB" sz="1400" dirty="0" err="1"/>
+              <a:t>motor_output</a:t>
+            </a:r>
+            <a:r>
+              <a:rPr lang="en-GB" sz="1400" dirty="0"/>
+              <a:t>” and “/</a:t>
+            </a:r>
+            <a:r>
+              <a:rPr lang="en-GB" sz="1400" dirty="0" err="1"/>
+              <a:t>set_point</a:t>
+            </a:r>
+            <a:r>
+              <a:rPr lang="en-GB" sz="1400" dirty="0"/>
+              <a:t>” topics.</a:t>
+            </a:r>
+          </a:p>
+          <a:p>
+            <a:pPr marL="457200" indent="-457200">
+              <a:lnSpc>
+                <a:spcPct val="150000"/>
+              </a:lnSpc>
+              <a:buFont typeface="+mj-lt"/>
+              <a:buAutoNum type="arabicPeriod"/>
+            </a:pPr>
+            <a:r>
+              <a:rPr lang="en-GB" sz="1400" dirty="0"/>
+              <a:t>Verify the bounds of the motor node input (system’s input)</a:t>
+            </a:r>
+          </a:p>
+          <a:p>
+            <a:pPr marL="457200" indent="-457200">
+              <a:lnSpc>
+                <a:spcPct val="150000"/>
+              </a:lnSpc>
+              <a:buFont typeface="+mj-lt"/>
+              <a:buAutoNum type="arabicPeriod"/>
+            </a:pPr>
+            <a:r>
+              <a:rPr lang="en-GB" sz="1400" dirty="0"/>
+              <a:t>The message for the “/</a:t>
+            </a:r>
+            <a:r>
+              <a:rPr lang="en-GB" sz="1400" dirty="0" err="1"/>
+              <a:t>set_point</a:t>
+            </a:r>
+            <a:r>
+              <a:rPr lang="en-GB" sz="1400" dirty="0"/>
+              <a:t>” topic must be a “std_msgs/Float32” message.</a:t>
+            </a:r>
+            <a:endParaRPr lang="en-GB" sz="1400" u="sng" dirty="0"/>
+          </a:p>
+        </p:txBody>
+      </p:sp>
       <p:sp>
         <p:nvSpPr>
           <p:cNvPr id="3" name="Content Placeholder 2">
@@ -18747,8 +18664,8 @@
           <a:chExt cx="0" cy="0"/>
         </a:xfrm>
       </p:grpSpPr>
-      <mc:AlternateContent xmlns:mc="http://schemas.openxmlformats.org/markup-compatibility/2006">
-        <mc:Choice xmlns:a14="http://schemas.microsoft.com/office/drawing/2010/main" Requires="a14">
+      <mc:AlternateContent xmlns:mc="http://schemas.openxmlformats.org/markup-compatibility/2006" xmlns:a14="http://schemas.microsoft.com/office/drawing/2010/main">
+        <mc:Choice Requires="a14">
           <p:sp>
             <p:nvSpPr>
               <p:cNvPr id="3" name="Content Placeholder 2">
@@ -18870,7 +18787,7 @@
             </p:txBody>
           </p:sp>
         </mc:Choice>
-        <mc:Fallback>
+        <mc:Fallback xmlns="">
           <p:sp>
             <p:nvSpPr>
               <p:cNvPr id="3" name="Content Placeholder 2">
@@ -19097,22 +19014,11 @@
             </a:pPr>
             <a:r>
               <a:rPr lang="en-GB" sz="1600" dirty="0"/>
-              <a:t>Create a node called “</a:t>
-            </a:r>
-            <a:r>
-              <a:rPr lang="en-GB" sz="1600" i="1" dirty="0"/>
-              <a:t>motor_sim.py””</a:t>
-            </a:r>
-            <a:r>
-              <a:rPr lang="en-GB" sz="1600" dirty="0"/>
-              <a:t> inside the scripts folder</a:t>
-            </a:r>
-          </a:p>
-          <a:p>
-            <a:pPr marL="457200" lvl="1" indent="0" algn="ctr">
-              <a:lnSpc>
-                <a:spcPct val="150000"/>
-              </a:lnSpc>
+              <a:t>Do not forget to give executable permission to the files inside the scripts folder</a:t>
+            </a:r>
+          </a:p>
+          <a:p>
+            <a:pPr marL="0" indent="0" algn="ctr">
               <a:buNone/>
             </a:pPr>
             <a:r>
@@ -19159,78 +19065,6 @@
             </a:r>
           </a:p>
           <a:p>
-            <a:pPr marL="457200" lvl="1" indent="0" algn="ctr">
-              <a:lnSpc>
-                <a:spcPct val="150000"/>
-              </a:lnSpc>
-              <a:buNone/>
-            </a:pPr>
-            <a:r>
-              <a:rPr lang="en-GB" sz="1200" dirty="0">
-                <a:latin typeface="Consolas" panose="020B0609020204030204" pitchFamily="49" charset="0"/>
-              </a:rPr>
-              <a:t>touch motor_sim.py</a:t>
-            </a:r>
-          </a:p>
-          <a:p>
-            <a:pPr>
-              <a:lnSpc>
-                <a:spcPct val="150000"/>
-              </a:lnSpc>
-            </a:pPr>
-            <a:r>
-              <a:rPr lang="en-GB" sz="1600" dirty="0"/>
-              <a:t>Do not forget to give executable permission to the file</a:t>
-            </a:r>
-          </a:p>
-          <a:p>
-            <a:pPr marL="0" indent="0" algn="ctr">
-              <a:buNone/>
-            </a:pPr>
-            <a:r>
-              <a:rPr lang="en-GB" sz="1200" dirty="0">
-                <a:latin typeface="Consolas" panose="020B0609020204030204" pitchFamily="49" charset="0"/>
-              </a:rPr>
-              <a:t>cd ~/</a:t>
-            </a:r>
-            <a:r>
-              <a:rPr lang="en-GB" sz="1200" dirty="0" err="1">
-                <a:latin typeface="Consolas" panose="020B0609020204030204" pitchFamily="49" charset="0"/>
-              </a:rPr>
-              <a:t>catkin_ws</a:t>
-            </a:r>
-            <a:r>
-              <a:rPr lang="en-GB" sz="1200" dirty="0">
-                <a:latin typeface="Consolas" panose="020B0609020204030204" pitchFamily="49" charset="0"/>
-              </a:rPr>
-              <a:t>/</a:t>
-            </a:r>
-            <a:r>
-              <a:rPr lang="en-GB" sz="1200" dirty="0" err="1">
-                <a:latin typeface="Consolas" panose="020B0609020204030204" pitchFamily="49" charset="0"/>
-              </a:rPr>
-              <a:t>src</a:t>
-            </a:r>
-            <a:r>
-              <a:rPr lang="en-GB" sz="1200" dirty="0">
-                <a:latin typeface="Consolas" panose="020B0609020204030204" pitchFamily="49" charset="0"/>
-              </a:rPr>
-              <a:t>/</a:t>
-            </a:r>
-            <a:r>
-              <a:rPr lang="en-GB" sz="1200" dirty="0" err="1">
-                <a:latin typeface="Consolas" panose="020B0609020204030204" pitchFamily="49" charset="0"/>
-              </a:rPr>
-              <a:t>motor_sim</a:t>
-            </a:r>
-            <a:r>
-              <a:rPr lang="en-GB" sz="1200" dirty="0">
-                <a:latin typeface="Consolas" panose="020B0609020204030204" pitchFamily="49" charset="0"/>
-              </a:rPr>
-              <a:t>/scripts/</a:t>
-            </a:r>
-          </a:p>
-          <a:p>
             <a:pPr marL="0" indent="0" algn="ctr">
               <a:buNone/>
             </a:pPr>
@@ -19270,7 +19104,7 @@
           <a:p>
             <a:r>
               <a:rPr lang="en-GB" sz="1600" dirty="0"/>
-              <a:t>Modify the CMake file to include the newly created node to the </a:t>
+              <a:t>Verify that the CMake file includes all the nodes in the scripts folder</a:t>
             </a:r>
           </a:p>
           <a:p>
